--- a/演示文稿1.pptx
+++ b/演示文稿1.pptx
@@ -5,10 +5,12 @@
     <p:sldMasterId id="2147483648" r:id="rId1"/>
   </p:sldMasterIdLst>
   <p:sldIdLst>
-    <p:sldId id="256" r:id="rId2"/>
-    <p:sldId id="257" r:id="rId3"/>
-    <p:sldId id="258" r:id="rId4"/>
-    <p:sldId id="259" r:id="rId5"/>
+    <p:sldId id="262" r:id="rId2"/>
+    <p:sldId id="264" r:id="rId3"/>
+    <p:sldId id="265" r:id="rId4"/>
+    <p:sldId id="263" r:id="rId5"/>
+    <p:sldId id="266" r:id="rId6"/>
+    <p:sldId id="267" r:id="rId7"/>
   </p:sldIdLst>
   <p:sldSz cx="12192000" cy="6858000"/>
   <p:notesSz cx="6858000" cy="9144000"/>
@@ -107,6 +109,11 @@
       </a:defRPr>
     </a:lvl9pPr>
   </p:defaultTextStyle>
+  <p:extLst>
+    <p:ext uri="{EFAFB233-063F-42B5-8137-9DF3F51BA10A}">
+      <p15:sldGuideLst xmlns:p15="http://schemas.microsoft.com/office/powerpoint/2012/main"/>
+    </p:ext>
+  </p:extLst>
 </p:presentation>
 </file>
 
@@ -241,7 +248,7 @@
           <a:p>
             <a:fld id="{43F99975-E5B6-4294-A276-11BD735715C8}" type="datetimeFigureOut">
               <a:rPr lang="zh-CN" altLang="en-US" smtClean="0"/>
-              <a:t>2017/5/7</a:t>
+              <a:t>2017/5/8</a:t>
             </a:fld>
             <a:endParaRPr lang="zh-CN" altLang="en-US"/>
           </a:p>
@@ -411,7 +418,7 @@
           <a:p>
             <a:fld id="{43F99975-E5B6-4294-A276-11BD735715C8}" type="datetimeFigureOut">
               <a:rPr lang="zh-CN" altLang="en-US" smtClean="0"/>
-              <a:t>2017/5/7</a:t>
+              <a:t>2017/5/8</a:t>
             </a:fld>
             <a:endParaRPr lang="zh-CN" altLang="en-US"/>
           </a:p>
@@ -591,7 +598,7 @@
           <a:p>
             <a:fld id="{43F99975-E5B6-4294-A276-11BD735715C8}" type="datetimeFigureOut">
               <a:rPr lang="zh-CN" altLang="en-US" smtClean="0"/>
-              <a:t>2017/5/7</a:t>
+              <a:t>2017/5/8</a:t>
             </a:fld>
             <a:endParaRPr lang="zh-CN" altLang="en-US"/>
           </a:p>
@@ -761,7 +768,7 @@
           <a:p>
             <a:fld id="{43F99975-E5B6-4294-A276-11BD735715C8}" type="datetimeFigureOut">
               <a:rPr lang="zh-CN" altLang="en-US" smtClean="0"/>
-              <a:t>2017/5/7</a:t>
+              <a:t>2017/5/8</a:t>
             </a:fld>
             <a:endParaRPr lang="zh-CN" altLang="en-US"/>
           </a:p>
@@ -1007,7 +1014,7 @@
           <a:p>
             <a:fld id="{43F99975-E5B6-4294-A276-11BD735715C8}" type="datetimeFigureOut">
               <a:rPr lang="zh-CN" altLang="en-US" smtClean="0"/>
-              <a:t>2017/5/7</a:t>
+              <a:t>2017/5/8</a:t>
             </a:fld>
             <a:endParaRPr lang="zh-CN" altLang="en-US"/>
           </a:p>
@@ -1239,7 +1246,7 @@
           <a:p>
             <a:fld id="{43F99975-E5B6-4294-A276-11BD735715C8}" type="datetimeFigureOut">
               <a:rPr lang="zh-CN" altLang="en-US" smtClean="0"/>
-              <a:t>2017/5/7</a:t>
+              <a:t>2017/5/8</a:t>
             </a:fld>
             <a:endParaRPr lang="zh-CN" altLang="en-US"/>
           </a:p>
@@ -1606,7 +1613,7 @@
           <a:p>
             <a:fld id="{43F99975-E5B6-4294-A276-11BD735715C8}" type="datetimeFigureOut">
               <a:rPr lang="zh-CN" altLang="en-US" smtClean="0"/>
-              <a:t>2017/5/7</a:t>
+              <a:t>2017/5/8</a:t>
             </a:fld>
             <a:endParaRPr lang="zh-CN" altLang="en-US"/>
           </a:p>
@@ -1724,7 +1731,7 @@
           <a:p>
             <a:fld id="{43F99975-E5B6-4294-A276-11BD735715C8}" type="datetimeFigureOut">
               <a:rPr lang="zh-CN" altLang="en-US" smtClean="0"/>
-              <a:t>2017/5/7</a:t>
+              <a:t>2017/5/8</a:t>
             </a:fld>
             <a:endParaRPr lang="zh-CN" altLang="en-US"/>
           </a:p>
@@ -1819,7 +1826,7 @@
           <a:p>
             <a:fld id="{43F99975-E5B6-4294-A276-11BD735715C8}" type="datetimeFigureOut">
               <a:rPr lang="zh-CN" altLang="en-US" smtClean="0"/>
-              <a:t>2017/5/7</a:t>
+              <a:t>2017/5/8</a:t>
             </a:fld>
             <a:endParaRPr lang="zh-CN" altLang="en-US"/>
           </a:p>
@@ -2096,7 +2103,7 @@
           <a:p>
             <a:fld id="{43F99975-E5B6-4294-A276-11BD735715C8}" type="datetimeFigureOut">
               <a:rPr lang="zh-CN" altLang="en-US" smtClean="0"/>
-              <a:t>2017/5/7</a:t>
+              <a:t>2017/5/8</a:t>
             </a:fld>
             <a:endParaRPr lang="zh-CN" altLang="en-US"/>
           </a:p>
@@ -2349,7 +2356,7 @@
           <a:p>
             <a:fld id="{43F99975-E5B6-4294-A276-11BD735715C8}" type="datetimeFigureOut">
               <a:rPr lang="zh-CN" altLang="en-US" smtClean="0"/>
-              <a:t>2017/5/7</a:t>
+              <a:t>2017/5/8</a:t>
             </a:fld>
             <a:endParaRPr lang="zh-CN" altLang="en-US"/>
           </a:p>
@@ -2562,7 +2569,7 @@
           <a:p>
             <a:fld id="{43F99975-E5B6-4294-A276-11BD735715C8}" type="datetimeFigureOut">
               <a:rPr lang="zh-CN" altLang="en-US" smtClean="0"/>
-              <a:t>2017/5/7</a:t>
+              <a:t>2017/5/8</a:t>
             </a:fld>
             <a:endParaRPr lang="zh-CN" altLang="en-US"/>
           </a:p>
@@ -2969,42 +2976,37 @@
       </p:grpSpPr>
       <p:sp>
         <p:nvSpPr>
-          <p:cNvPr id="3" name="副标题 2"/>
-          <p:cNvSpPr>
-            <a:spLocks noGrp="1"/>
-          </p:cNvSpPr>
-          <p:nvPr>
-            <p:ph type="subTitle" idx="1"/>
-          </p:nvPr>
+          <p:cNvPr id="2" name="标题 1"/>
+          <p:cNvSpPr>
+            <a:spLocks noGrp="1"/>
+          </p:cNvSpPr>
+          <p:nvPr>
+            <p:ph type="title"/>
+          </p:nvPr>
+        </p:nvSpPr>
+        <p:spPr/>
+        <p:txBody>
+          <a:bodyPr/>
+          <a:lstStyle/>
+          <a:p>
+            <a:r>
+              <a:rPr lang="zh-CN" altLang="en-US" dirty="0" smtClean="0"/>
+              <a:t>新手使用</a:t>
+            </a:r>
+            <a:endParaRPr lang="zh-CN" altLang="en-US" dirty="0"/>
+          </a:p>
+        </p:txBody>
+      </p:sp>
+      <p:sp>
+        <p:nvSpPr>
+          <p:cNvPr id="5" name="文本框 4"/>
+          <p:cNvSpPr txBox="1"/>
+          <p:nvPr/>
         </p:nvSpPr>
         <p:spPr>
           <a:xfrm>
-            <a:off x="1240666" y="605307"/>
-            <a:ext cx="9144000" cy="505496"/>
-          </a:xfrm>
-        </p:spPr>
-        <p:txBody>
-          <a:bodyPr/>
-          <a:lstStyle/>
-          <a:p>
-            <a:r>
-              <a:rPr lang="zh-CN" altLang="en-US" dirty="0" smtClean="0"/>
-              <a:t>页面数据更新</a:t>
-            </a:r>
-            <a:endParaRPr lang="zh-CN" altLang="en-US" dirty="0"/>
-          </a:p>
-        </p:txBody>
-      </p:sp>
-      <p:sp>
-        <p:nvSpPr>
-          <p:cNvPr id="4" name="文本框 3"/>
-          <p:cNvSpPr txBox="1"/>
-          <p:nvPr/>
-        </p:nvSpPr>
-        <p:spPr>
-          <a:xfrm>
-            <a:off x="1137635" y="1777285"/>
-            <a:ext cx="4026793" cy="923330"/>
+            <a:off x="838200" y="2626269"/>
+            <a:ext cx="4948825" cy="369332"/>
           </a:xfrm>
           <a:prstGeom prst="rect">
             <a:avLst/>
@@ -3019,46 +3021,34 @@
           <a:p>
             <a:r>
               <a:rPr lang="en-US" altLang="zh-CN" dirty="0" smtClean="0"/>
-              <a:t>jQuery</a:t>
+              <a:t>2</a:t>
             </a:r>
             <a:r>
               <a:rPr lang="zh-CN" altLang="en-US" dirty="0" smtClean="0"/>
-              <a:t>通过一些行为触发（如</a:t>
+              <a:t>、组织</a:t>
             </a:r>
             <a:r>
               <a:rPr lang="en-US" altLang="zh-CN" dirty="0" smtClean="0"/>
-              <a:t>Ajax</a:t>
+              <a:t>DOM</a:t>
             </a:r>
             <a:r>
               <a:rPr lang="zh-CN" altLang="en-US" dirty="0" smtClean="0"/>
-              <a:t>请求）获取新数据，</a:t>
-            </a:r>
-            <a:r>
-              <a:rPr lang="zh-CN" altLang="en-US" dirty="0" smtClean="0"/>
-              <a:t>获取到相关的</a:t>
-            </a:r>
-            <a:r>
-              <a:rPr lang="en-US" altLang="zh-CN" dirty="0" err="1" smtClean="0"/>
-              <a:t>dom</a:t>
-            </a:r>
-            <a:r>
-              <a:rPr lang="zh-CN" altLang="en-US" dirty="0" smtClean="0"/>
-              <a:t>节点，把数据替换掉；</a:t>
-            </a:r>
-            <a:endParaRPr lang="zh-CN" altLang="en-US" dirty="0"/>
-          </a:p>
-        </p:txBody>
-      </p:sp>
-      <p:sp>
-        <p:nvSpPr>
-          <p:cNvPr id="5" name="文本框 4"/>
+              <a:t>结构，添加样式</a:t>
+            </a:r>
+            <a:endParaRPr lang="en-US" altLang="zh-CN" dirty="0" smtClean="0"/>
+          </a:p>
+        </p:txBody>
+      </p:sp>
+      <p:sp>
+        <p:nvSpPr>
+          <p:cNvPr id="10" name="文本框 9"/>
           <p:cNvSpPr txBox="1"/>
           <p:nvPr/>
         </p:nvSpPr>
         <p:spPr>
           <a:xfrm>
-            <a:off x="6108880" y="1777285"/>
-            <a:ext cx="4026793" cy="923330"/>
+            <a:off x="838200" y="1568511"/>
+            <a:ext cx="3569918" cy="369332"/>
           </a:xfrm>
           <a:prstGeom prst="rect">
             <a:avLst/>
@@ -3072,39 +3062,99 @@
           <a:lstStyle/>
           <a:p>
             <a:r>
+              <a:rPr lang="en-US" altLang="zh-CN" dirty="0"/>
+              <a:t>1</a:t>
+            </a:r>
+            <a:r>
+              <a:rPr lang="zh-CN" altLang="en-US" dirty="0"/>
+              <a:t>、页面引入</a:t>
+            </a:r>
+            <a:r>
+              <a:rPr lang="en-US" altLang="zh-CN" dirty="0"/>
+              <a:t>Vue.js</a:t>
+            </a:r>
+            <a:r>
+              <a:rPr lang="zh-CN" altLang="en-US" dirty="0"/>
+              <a:t>库</a:t>
+            </a:r>
+            <a:r>
               <a:rPr lang="zh-CN" altLang="en-US" dirty="0" smtClean="0"/>
-              <a:t>通过</a:t>
-            </a:r>
-            <a:r>
-              <a:rPr lang="en-US" altLang="zh-CN" dirty="0" err="1" smtClean="0"/>
-              <a:t>Vue</a:t>
-            </a:r>
-            <a:r>
-              <a:rPr lang="zh-CN" altLang="en-US" dirty="0" smtClean="0"/>
-              <a:t>内置指令绑定数据到模板中，当数据发生改变时，会通过</a:t>
-            </a:r>
-            <a:r>
-              <a:rPr lang="en-US" altLang="zh-CN" dirty="0" smtClean="0"/>
-              <a:t>VM</a:t>
-            </a:r>
-            <a:r>
-              <a:rPr lang="zh-CN" altLang="en-US" dirty="0" smtClean="0"/>
-              <a:t>层自动更新先关数据。</a:t>
+              <a:t>文件</a:t>
             </a:r>
             <a:endParaRPr lang="zh-CN" altLang="en-US" dirty="0"/>
           </a:p>
         </p:txBody>
       </p:sp>
-      <p:sp>
-        <p:nvSpPr>
-          <p:cNvPr id="7" name="文本框 6"/>
+      <p:pic>
+        <p:nvPicPr>
+          <p:cNvPr id="11" name="图片 10"/>
+          <p:cNvPicPr>
+            <a:picLocks noChangeAspect="1"/>
+          </p:cNvPicPr>
+          <p:nvPr/>
+        </p:nvPicPr>
+        <p:blipFill>
+          <a:blip r:embed="rId2">
+            <a:extLst>
+              <a:ext uri="{28A0092B-C50C-407E-A947-70E740481C1C}">
+                <a14:useLocalDpi xmlns:a14="http://schemas.microsoft.com/office/drawing/2010/main" val="0"/>
+              </a:ext>
+            </a:extLst>
+          </a:blip>
+          <a:stretch>
+            <a:fillRect/>
+          </a:stretch>
+        </p:blipFill>
+        <p:spPr>
+          <a:xfrm>
+            <a:off x="5632667" y="1589686"/>
+            <a:ext cx="5238750" cy="276225"/>
+          </a:xfrm>
+          <a:prstGeom prst="rect">
+            <a:avLst/>
+          </a:prstGeom>
+        </p:spPr>
+      </p:pic>
+      <p:pic>
+        <p:nvPicPr>
+          <p:cNvPr id="12" name="图片 11"/>
+          <p:cNvPicPr>
+            <a:picLocks noChangeAspect="1"/>
+          </p:cNvPicPr>
+          <p:nvPr/>
+        </p:nvPicPr>
+        <p:blipFill>
+          <a:blip r:embed="rId3">
+            <a:extLst>
+              <a:ext uri="{28A0092B-C50C-407E-A947-70E740481C1C}">
+                <a14:useLocalDpi xmlns:a14="http://schemas.microsoft.com/office/drawing/2010/main" val="0"/>
+              </a:ext>
+            </a:extLst>
+          </a:blip>
+          <a:stretch>
+            <a:fillRect/>
+          </a:stretch>
+        </p:blipFill>
+        <p:spPr>
+          <a:xfrm>
+            <a:off x="5632667" y="3299384"/>
+            <a:ext cx="5238750" cy="2762250"/>
+          </a:xfrm>
+          <a:prstGeom prst="rect">
+            <a:avLst/>
+          </a:prstGeom>
+        </p:spPr>
+      </p:pic>
+      <p:sp>
+        <p:nvSpPr>
+          <p:cNvPr id="13" name="文本框 12"/>
           <p:cNvSpPr txBox="1"/>
           <p:nvPr/>
         </p:nvSpPr>
         <p:spPr>
           <a:xfrm>
-            <a:off x="6108880" y="3515933"/>
-            <a:ext cx="4026793" cy="923330"/>
+            <a:off x="838200" y="3719756"/>
+            <a:ext cx="4183693" cy="923330"/>
           </a:xfrm>
           <a:prstGeom prst="rect">
             <a:avLst/>
@@ -3118,47 +3168,95 @@
           <a:lstStyle/>
           <a:p>
             <a:r>
+              <a:rPr lang="en-US" altLang="zh-CN" dirty="0"/>
+              <a:t>3</a:t>
+            </a:r>
+            <a:r>
+              <a:rPr lang="zh-CN" altLang="en-US" dirty="0" smtClean="0"/>
+              <a:t>、创建</a:t>
+            </a:r>
+            <a:r>
               <a:rPr lang="en-US" altLang="zh-CN" dirty="0" smtClean="0"/>
-              <a:t>jQuery</a:t>
+              <a:t>JS</a:t>
             </a:r>
             <a:r>
               <a:rPr lang="zh-CN" altLang="en-US" dirty="0" smtClean="0"/>
-              <a:t>通过一些行为触发（如</a:t>
-            </a:r>
-            <a:r>
-              <a:rPr lang="en-US" altLang="zh-CN" dirty="0" smtClean="0"/>
-              <a:t>Ajax</a:t>
+              <a:t>，创建一个</a:t>
+            </a:r>
+            <a:r>
+              <a:rPr lang="en-US" altLang="zh-CN" dirty="0" err="1" smtClean="0"/>
+              <a:t>Vue</a:t>
             </a:r>
             <a:r>
               <a:rPr lang="zh-CN" altLang="en-US" dirty="0" smtClean="0"/>
-              <a:t>请求）获取新数据，</a:t>
-            </a:r>
-            <a:r>
-              <a:rPr lang="zh-CN" altLang="en-US" dirty="0" smtClean="0"/>
-              <a:t>获取到相关的</a:t>
-            </a:r>
-            <a:r>
-              <a:rPr lang="en-US" altLang="zh-CN" dirty="0" err="1" smtClean="0"/>
-              <a:t>dom</a:t>
-            </a:r>
-            <a:r>
-              <a:rPr lang="zh-CN" altLang="en-US" dirty="0" smtClean="0"/>
-              <a:t>节点，把数据替换掉；</a:t>
-            </a:r>
-            <a:endParaRPr lang="zh-CN" altLang="en-US" dirty="0"/>
-          </a:p>
-        </p:txBody>
-      </p:sp>
+              <a:t>实例通过</a:t>
+            </a:r>
+            <a:r>
+              <a:rPr lang="en-US" altLang="zh-CN" dirty="0"/>
+              <a:t>options</a:t>
+            </a:r>
+            <a:r>
+              <a:rPr lang="zh-CN" altLang="en-US" dirty="0"/>
+              <a:t>指定</a:t>
+            </a:r>
+            <a:r>
+              <a:rPr lang="en-US" altLang="zh-CN" dirty="0" err="1"/>
+              <a:t>Vue</a:t>
+            </a:r>
+            <a:r>
+              <a:rPr lang="zh-CN" altLang="en-US" dirty="0"/>
+              <a:t>启动根节点、数据和方法</a:t>
+            </a:r>
+          </a:p>
+        </p:txBody>
+      </p:sp>
+      <p:pic>
+        <p:nvPicPr>
+          <p:cNvPr id="14" name="图片 13"/>
+          <p:cNvPicPr>
+            <a:picLocks noChangeAspect="1"/>
+          </p:cNvPicPr>
+          <p:nvPr/>
+        </p:nvPicPr>
+        <p:blipFill>
+          <a:blip r:embed="rId4">
+            <a:extLst>
+              <a:ext uri="{28A0092B-C50C-407E-A947-70E740481C1C}">
+                <a14:useLocalDpi xmlns:a14="http://schemas.microsoft.com/office/drawing/2010/main" val="0"/>
+              </a:ext>
+            </a:extLst>
+          </a:blip>
+          <a:stretch>
+            <a:fillRect/>
+          </a:stretch>
+        </p:blipFill>
+        <p:spPr>
+          <a:xfrm>
+            <a:off x="5632667" y="1930185"/>
+            <a:ext cx="5238750" cy="1304925"/>
+          </a:xfrm>
+          <a:prstGeom prst="rect">
+            <a:avLst/>
+          </a:prstGeom>
+        </p:spPr>
+      </p:pic>
     </p:spTree>
     <p:extLst>
       <p:ext uri="{BB962C8B-B14F-4D97-AF65-F5344CB8AC3E}">
-        <p14:creationId xmlns:p14="http://schemas.microsoft.com/office/powerpoint/2010/main" val="3240469478"/>
+        <p14:creationId xmlns:p14="http://schemas.microsoft.com/office/powerpoint/2010/main" val="3381273741"/>
       </p:ext>
     </p:extLst>
   </p:cSld>
   <p:clrMapOvr>
     <a:masterClrMapping/>
   </p:clrMapOvr>
+  <p:timing>
+    <p:tnLst>
+      <p:par>
+        <p:cTn id="1" dur="indefinite" restart="never" nodeType="tmRoot"/>
+      </p:par>
+    </p:tnLst>
+  </p:timing>
 </p:sld>
 </file>
 
@@ -3181,200 +3279,74 @@
       </p:grpSpPr>
       <p:sp>
         <p:nvSpPr>
-          <p:cNvPr id="3" name="副标题 2"/>
-          <p:cNvSpPr>
-            <a:spLocks noGrp="1"/>
-          </p:cNvSpPr>
-          <p:nvPr>
-            <p:ph type="subTitle" idx="1"/>
-          </p:nvPr>
-        </p:nvSpPr>
+          <p:cNvPr id="2" name="标题 1"/>
+          <p:cNvSpPr>
+            <a:spLocks noGrp="1"/>
+          </p:cNvSpPr>
+          <p:nvPr>
+            <p:ph type="title"/>
+          </p:nvPr>
+        </p:nvSpPr>
+        <p:spPr/>
+        <p:txBody>
+          <a:bodyPr/>
+          <a:lstStyle/>
+          <a:p>
+            <a:r>
+              <a:rPr lang="zh-CN" altLang="en-US" dirty="0" smtClean="0"/>
+              <a:t>效果预览</a:t>
+            </a:r>
+            <a:endParaRPr lang="zh-CN" altLang="en-US" dirty="0"/>
+          </a:p>
+        </p:txBody>
+      </p:sp>
+      <p:pic>
+        <p:nvPicPr>
+          <p:cNvPr id="4" name="图片 3"/>
+          <p:cNvPicPr>
+            <a:picLocks noChangeAspect="1"/>
+          </p:cNvPicPr>
+          <p:nvPr/>
+        </p:nvPicPr>
+        <p:blipFill>
+          <a:blip r:embed="rId2">
+            <a:extLst>
+              <a:ext uri="{28A0092B-C50C-407E-A947-70E740481C1C}">
+                <a14:useLocalDpi xmlns:a14="http://schemas.microsoft.com/office/drawing/2010/main" val="0"/>
+              </a:ext>
+            </a:extLst>
+          </a:blip>
+          <a:stretch>
+            <a:fillRect/>
+          </a:stretch>
+        </p:blipFill>
         <p:spPr>
           <a:xfrm>
-            <a:off x="1240666" y="605307"/>
-            <a:ext cx="9144000" cy="505496"/>
-          </a:xfrm>
-        </p:spPr>
-        <p:txBody>
-          <a:bodyPr/>
-          <a:lstStyle/>
-          <a:p>
-            <a:r>
-              <a:rPr lang="zh-CN" altLang="en-US" dirty="0" smtClean="0"/>
-              <a:t>页面事件绑定触发</a:t>
-            </a:r>
-            <a:endParaRPr lang="zh-CN" altLang="en-US" dirty="0"/>
-          </a:p>
-        </p:txBody>
-      </p:sp>
-      <p:sp>
-        <p:nvSpPr>
-          <p:cNvPr id="4" name="文本框 3"/>
-          <p:cNvSpPr txBox="1"/>
-          <p:nvPr/>
-        </p:nvSpPr>
-        <p:spPr>
-          <a:xfrm>
-            <a:off x="1137635" y="1777285"/>
-            <a:ext cx="4026793" cy="1200329"/>
+            <a:off x="1815425" y="1778370"/>
+            <a:ext cx="7058025" cy="2743200"/>
           </a:xfrm>
           <a:prstGeom prst="rect">
             <a:avLst/>
           </a:prstGeom>
-          <a:noFill/>
         </p:spPr>
-        <p:txBody>
-          <a:bodyPr wrap="square" rtlCol="0">
-            <a:spAutoFit/>
-          </a:bodyPr>
-          <a:lstStyle/>
-          <a:p>
-            <a:r>
-              <a:rPr lang="en-US" altLang="zh-CN" dirty="0" smtClean="0"/>
-              <a:t>jQuery</a:t>
-            </a:r>
-            <a:r>
-              <a:rPr lang="zh-CN" altLang="en-US" dirty="0" smtClean="0"/>
-              <a:t>在</a:t>
-            </a:r>
-            <a:r>
-              <a:rPr lang="en-US" altLang="zh-CN" dirty="0" err="1" smtClean="0"/>
-              <a:t>dom</a:t>
-            </a:r>
-            <a:r>
-              <a:rPr lang="zh-CN" altLang="en-US" dirty="0" smtClean="0"/>
-              <a:t>结构</a:t>
-            </a:r>
-            <a:r>
-              <a:rPr lang="en-US" altLang="zh-CN" dirty="0" smtClean="0"/>
-              <a:t>ready</a:t>
-            </a:r>
-            <a:r>
-              <a:rPr lang="zh-CN" altLang="en-US" dirty="0" smtClean="0"/>
-              <a:t>后，获取节点统一绑定相关事件，在用户触发相应动作时，绑定的事件会触发执行。</a:t>
-            </a:r>
-            <a:endParaRPr lang="en-US" altLang="zh-CN" dirty="0" smtClean="0"/>
-          </a:p>
-          <a:p>
-            <a:r>
-              <a:rPr lang="zh-CN" altLang="en-US" dirty="0" smtClean="0"/>
-              <a:t>符合页面结构层、行为层分离的标准。</a:t>
-            </a:r>
-            <a:endParaRPr lang="zh-CN" altLang="en-US" dirty="0"/>
-          </a:p>
-        </p:txBody>
-      </p:sp>
-      <p:sp>
-        <p:nvSpPr>
-          <p:cNvPr id="5" name="文本框 4"/>
-          <p:cNvSpPr txBox="1"/>
-          <p:nvPr/>
-        </p:nvSpPr>
-        <p:spPr>
-          <a:xfrm>
-            <a:off x="6108880" y="1777285"/>
-            <a:ext cx="4026793" cy="2585323"/>
-          </a:xfrm>
-          <a:prstGeom prst="rect">
-            <a:avLst/>
-          </a:prstGeom>
-          <a:noFill/>
-        </p:spPr>
-        <p:txBody>
-          <a:bodyPr wrap="square" rtlCol="0">
-            <a:spAutoFit/>
-          </a:bodyPr>
-          <a:lstStyle/>
-          <a:p>
-            <a:r>
-              <a:rPr lang="zh-CN" altLang="en-US" dirty="0" smtClean="0"/>
-              <a:t>通过</a:t>
-            </a:r>
-            <a:r>
-              <a:rPr lang="en-US" altLang="zh-CN" dirty="0" err="1" smtClean="0"/>
-              <a:t>Vue</a:t>
-            </a:r>
-            <a:r>
-              <a:rPr lang="zh-CN" altLang="en-US" dirty="0" smtClean="0"/>
-              <a:t>内置指令</a:t>
-            </a:r>
-            <a:r>
-              <a:rPr lang="en-US" altLang="zh-CN" dirty="0" smtClean="0"/>
-              <a:t>(</a:t>
-            </a:r>
-            <a:r>
-              <a:rPr lang="en-US" altLang="zh-CN" dirty="0" err="1" smtClean="0"/>
-              <a:t>v-on:click</a:t>
-            </a:r>
-            <a:r>
-              <a:rPr lang="en-US" altLang="zh-CN" dirty="0" smtClean="0"/>
-              <a:t>)</a:t>
-            </a:r>
-            <a:r>
-              <a:rPr lang="zh-CN" altLang="en-US" dirty="0" smtClean="0"/>
-              <a:t>绑定事件到到模板中，相关的方法只能在创建</a:t>
-            </a:r>
-            <a:r>
-              <a:rPr lang="en-US" altLang="zh-CN" dirty="0" err="1" smtClean="0"/>
-              <a:t>vue</a:t>
-            </a:r>
-            <a:r>
-              <a:rPr lang="zh-CN" altLang="en-US" dirty="0" smtClean="0"/>
-              <a:t>应用或者</a:t>
-            </a:r>
-            <a:r>
-              <a:rPr lang="en-US" altLang="zh-CN" dirty="0" smtClean="0"/>
-              <a:t>component</a:t>
-            </a:r>
-            <a:r>
-              <a:rPr lang="zh-CN" altLang="en-US" dirty="0" smtClean="0"/>
-              <a:t>是声明到</a:t>
-            </a:r>
-            <a:r>
-              <a:rPr lang="en-US" altLang="zh-CN" dirty="0" smtClean="0"/>
-              <a:t>methods</a:t>
-            </a:r>
-            <a:r>
-              <a:rPr lang="zh-CN" altLang="en-US" dirty="0" smtClean="0"/>
-              <a:t>中。当用户触发相应动作时，绑定的方法会触发执行。</a:t>
-            </a:r>
-            <a:endParaRPr lang="en-US" altLang="zh-CN" dirty="0" smtClean="0"/>
-          </a:p>
-          <a:p>
-            <a:r>
-              <a:rPr lang="zh-CN" altLang="en-US" dirty="0" smtClean="0"/>
-              <a:t>把方法绑定添加到相应的</a:t>
-            </a:r>
-            <a:r>
-              <a:rPr lang="en-US" altLang="zh-CN" dirty="0" err="1" smtClean="0"/>
-              <a:t>dom</a:t>
-            </a:r>
-            <a:r>
-              <a:rPr lang="zh-CN" altLang="en-US" dirty="0" smtClean="0"/>
-              <a:t>节点上，对于后期维护修改也会带来不便，相当于传统开发中把事件直接绑定到</a:t>
-            </a:r>
-            <a:r>
-              <a:rPr lang="en-US" altLang="zh-CN" dirty="0" err="1" smtClean="0"/>
-              <a:t>dom</a:t>
-            </a:r>
-            <a:r>
-              <a:rPr lang="zh-CN" altLang="en-US" dirty="0" smtClean="0"/>
-              <a:t>上。</a:t>
-            </a:r>
-            <a:endParaRPr lang="zh-CN" altLang="en-US" dirty="0"/>
-          </a:p>
-        </p:txBody>
-      </p:sp>
+      </p:pic>
     </p:spTree>
     <p:extLst>
       <p:ext uri="{BB962C8B-B14F-4D97-AF65-F5344CB8AC3E}">
-        <p14:creationId xmlns:p14="http://schemas.microsoft.com/office/powerpoint/2010/main" val="1978768216"/>
+        <p14:creationId xmlns:p14="http://schemas.microsoft.com/office/powerpoint/2010/main" val="1566361970"/>
       </p:ext>
     </p:extLst>
   </p:cSld>
   <p:clrMapOvr>
     <a:masterClrMapping/>
   </p:clrMapOvr>
+  <p:timing>
+    <p:tnLst>
+      <p:par>
+        <p:cTn id="1" dur="indefinite" restart="never" nodeType="tmRoot"/>
+      </p:par>
+    </p:tnLst>
+  </p:timing>
 </p:sld>
 </file>
 
@@ -3397,42 +3369,36 @@
       </p:grpSpPr>
       <p:sp>
         <p:nvSpPr>
-          <p:cNvPr id="3" name="副标题 2"/>
-          <p:cNvSpPr>
-            <a:spLocks noGrp="1"/>
-          </p:cNvSpPr>
-          <p:nvPr>
-            <p:ph type="subTitle" idx="1"/>
-          </p:nvPr>
+          <p:cNvPr id="2" name="标题 1"/>
+          <p:cNvSpPr>
+            <a:spLocks noGrp="1"/>
+          </p:cNvSpPr>
+          <p:nvPr>
+            <p:ph type="title"/>
+          </p:nvPr>
+        </p:nvSpPr>
+        <p:spPr/>
+        <p:txBody>
+          <a:bodyPr/>
+          <a:lstStyle/>
+          <a:p>
+            <a:r>
+              <a:rPr lang="zh-CN" altLang="en-US" dirty="0"/>
+              <a:t>语法规则</a:t>
+            </a:r>
+          </a:p>
+        </p:txBody>
+      </p:sp>
+      <p:sp>
+        <p:nvSpPr>
+          <p:cNvPr id="3" name="文本框 2"/>
+          <p:cNvSpPr txBox="1"/>
+          <p:nvPr/>
         </p:nvSpPr>
         <p:spPr>
           <a:xfrm>
-            <a:off x="1240666" y="605307"/>
-            <a:ext cx="9144000" cy="505496"/>
-          </a:xfrm>
-        </p:spPr>
-        <p:txBody>
-          <a:bodyPr/>
-          <a:lstStyle/>
-          <a:p>
-            <a:r>
-              <a:rPr lang="zh-CN" altLang="en-US" dirty="0" smtClean="0"/>
-              <a:t>条件渲染</a:t>
-            </a:r>
-            <a:endParaRPr lang="zh-CN" altLang="en-US" dirty="0"/>
-          </a:p>
-        </p:txBody>
-      </p:sp>
-      <p:sp>
-        <p:nvSpPr>
-          <p:cNvPr id="4" name="文本框 3"/>
-          <p:cNvSpPr txBox="1"/>
-          <p:nvPr/>
-        </p:nvSpPr>
-        <p:spPr>
-          <a:xfrm>
-            <a:off x="1137635" y="1777285"/>
-            <a:ext cx="4026793" cy="923330"/>
+            <a:off x="960328" y="2041743"/>
+            <a:ext cx="3849666" cy="923330"/>
           </a:xfrm>
           <a:prstGeom prst="rect">
             <a:avLst/>
@@ -3447,112 +3413,87 @@
           <a:p>
             <a:r>
               <a:rPr lang="en-US" altLang="zh-CN" dirty="0" smtClean="0"/>
-              <a:t>jQuery</a:t>
+              <a:t>1</a:t>
             </a:r>
             <a:r>
               <a:rPr lang="zh-CN" altLang="en-US" dirty="0" smtClean="0"/>
-              <a:t>只能是获取相关控制</a:t>
+              <a:t>、创建一个根节点，来加载</a:t>
             </a:r>
             <a:r>
               <a:rPr lang="en-US" altLang="zh-CN" dirty="0" err="1" smtClean="0"/>
-              <a:t>dom</a:t>
+              <a:t>Vue</a:t>
             </a:r>
             <a:r>
               <a:rPr lang="zh-CN" altLang="en-US" dirty="0" smtClean="0"/>
-              <a:t>节点，在符合展示的情况下通过改变相应</a:t>
+              <a:t>应用，即</a:t>
             </a:r>
             <a:r>
               <a:rPr lang="en-US" altLang="zh-CN" dirty="0" err="1" smtClean="0"/>
-              <a:t>dom</a:t>
+              <a:t>div#app</a:t>
             </a:r>
             <a:r>
               <a:rPr lang="zh-CN" altLang="en-US" dirty="0" smtClean="0"/>
-              <a:t>的样式进行展示和隐藏。</a:t>
+              <a:t>，通过</a:t>
+            </a:r>
+            <a:r>
+              <a:rPr lang="en-US" altLang="zh-CN" dirty="0" smtClean="0"/>
+              <a:t>options</a:t>
+            </a:r>
+            <a:r>
+              <a:rPr lang="zh-CN" altLang="en-US" dirty="0" smtClean="0"/>
+              <a:t>配置传入数据和方法。</a:t>
             </a:r>
             <a:endParaRPr lang="zh-CN" altLang="en-US" dirty="0"/>
           </a:p>
         </p:txBody>
       </p:sp>
-      <p:sp>
-        <p:nvSpPr>
-          <p:cNvPr id="5" name="文本框 4"/>
-          <p:cNvSpPr txBox="1"/>
+      <p:pic>
+        <p:nvPicPr>
+          <p:cNvPr id="5" name="图片 4"/>
+          <p:cNvPicPr>
+            <a:picLocks noChangeAspect="1"/>
+          </p:cNvPicPr>
           <p:nvPr/>
-        </p:nvSpPr>
+        </p:nvPicPr>
+        <p:blipFill>
+          <a:blip r:embed="rId2">
+            <a:extLst>
+              <a:ext uri="{28A0092B-C50C-407E-A947-70E740481C1C}">
+                <a14:useLocalDpi xmlns:a14="http://schemas.microsoft.com/office/drawing/2010/main" val="0"/>
+              </a:ext>
+            </a:extLst>
+          </a:blip>
+          <a:stretch>
+            <a:fillRect/>
+          </a:stretch>
+        </p:blipFill>
         <p:spPr>
           <a:xfrm>
-            <a:off x="6108880" y="1777285"/>
-            <a:ext cx="4026793" cy="1200329"/>
+            <a:off x="5314689" y="699240"/>
+            <a:ext cx="6172200" cy="5810250"/>
           </a:xfrm>
           <a:prstGeom prst="rect">
             <a:avLst/>
           </a:prstGeom>
-          <a:noFill/>
         </p:spPr>
-        <p:txBody>
-          <a:bodyPr wrap="square" rtlCol="0">
-            <a:spAutoFit/>
-          </a:bodyPr>
-          <a:lstStyle/>
-          <a:p>
-            <a:r>
-              <a:rPr lang="zh-CN" altLang="en-US" dirty="0" smtClean="0"/>
-              <a:t>通过</a:t>
-            </a:r>
-            <a:r>
-              <a:rPr lang="en-US" altLang="zh-CN" dirty="0" err="1" smtClean="0"/>
-              <a:t>Vue</a:t>
-            </a:r>
-            <a:r>
-              <a:rPr lang="zh-CN" altLang="en-US" dirty="0" smtClean="0"/>
-              <a:t>内置指令</a:t>
-            </a:r>
-            <a:r>
-              <a:rPr lang="en-US" altLang="zh-CN" dirty="0" smtClean="0"/>
-              <a:t>(v-if/v-show)</a:t>
-            </a:r>
-            <a:r>
-              <a:rPr lang="zh-CN" altLang="en-US" dirty="0" smtClean="0"/>
-              <a:t>绑定到模板中，</a:t>
-            </a:r>
-            <a:r>
-              <a:rPr lang="zh-CN" altLang="en-US" dirty="0"/>
-              <a:t>当</a:t>
-            </a:r>
-            <a:r>
-              <a:rPr lang="zh-CN" altLang="en-US" dirty="0" smtClean="0"/>
-              <a:t>数据发生改变时，</a:t>
-            </a:r>
-            <a:r>
-              <a:rPr lang="en-US" altLang="zh-CN" dirty="0" err="1" smtClean="0"/>
-              <a:t>vue</a:t>
-            </a:r>
-            <a:r>
-              <a:rPr lang="zh-CN" altLang="en-US" dirty="0" smtClean="0"/>
-              <a:t>会自动判断相关</a:t>
-            </a:r>
-            <a:r>
-              <a:rPr lang="en-US" altLang="zh-CN" dirty="0" err="1" smtClean="0"/>
-              <a:t>dom</a:t>
-            </a:r>
-            <a:r>
-              <a:rPr lang="zh-CN" altLang="en-US" dirty="0" smtClean="0"/>
-              <a:t>节点是应该展示还是隐藏，并应用相应的样式。</a:t>
-            </a:r>
-            <a:endParaRPr lang="zh-CN" altLang="en-US" dirty="0"/>
-          </a:p>
-        </p:txBody>
-      </p:sp>
+      </p:pic>
     </p:spTree>
     <p:extLst>
       <p:ext uri="{BB962C8B-B14F-4D97-AF65-F5344CB8AC3E}">
-        <p14:creationId xmlns:p14="http://schemas.microsoft.com/office/powerpoint/2010/main" val="2337498819"/>
+        <p14:creationId xmlns:p14="http://schemas.microsoft.com/office/powerpoint/2010/main" val="1210434018"/>
       </p:ext>
     </p:extLst>
   </p:cSld>
   <p:clrMapOvr>
     <a:masterClrMapping/>
   </p:clrMapOvr>
+  <p:timing>
+    <p:tnLst>
+      <p:par>
+        <p:cTn id="1" dur="indefinite" restart="never" nodeType="tmRoot"/>
+      </p:par>
+    </p:tnLst>
+  </p:timing>
 </p:sld>
 </file>
 
@@ -3575,46 +3516,368 @@
       </p:grpSpPr>
       <p:sp>
         <p:nvSpPr>
-          <p:cNvPr id="3" name="副标题 2"/>
-          <p:cNvSpPr>
-            <a:spLocks noGrp="1"/>
-          </p:cNvSpPr>
-          <p:nvPr>
-            <p:ph type="subTitle" idx="1"/>
-          </p:nvPr>
+          <p:cNvPr id="2" name="标题 1"/>
+          <p:cNvSpPr>
+            <a:spLocks noGrp="1"/>
+          </p:cNvSpPr>
+          <p:nvPr>
+            <p:ph type="title"/>
+          </p:nvPr>
+        </p:nvSpPr>
+        <p:spPr/>
+        <p:txBody>
+          <a:bodyPr/>
+          <a:lstStyle/>
+          <a:p>
+            <a:r>
+              <a:rPr lang="zh-CN" altLang="en-US" dirty="0"/>
+              <a:t>语法规则</a:t>
+            </a:r>
+          </a:p>
+        </p:txBody>
+      </p:sp>
+      <p:grpSp>
+        <p:nvGrpSpPr>
+          <p:cNvPr id="18" name="组合 17"/>
+          <p:cNvGrpSpPr/>
+          <p:nvPr/>
+        </p:nvGrpSpPr>
+        <p:grpSpPr>
+          <a:xfrm>
+            <a:off x="1436710" y="2462484"/>
+            <a:ext cx="3653945" cy="581863"/>
+            <a:chOff x="948196" y="1535558"/>
+            <a:chExt cx="3653945" cy="581863"/>
+          </a:xfrm>
+        </p:grpSpPr>
+        <p:pic>
+          <p:nvPicPr>
+            <p:cNvPr id="6" name="图片 5"/>
+            <p:cNvPicPr>
+              <a:picLocks noChangeAspect="1"/>
+            </p:cNvPicPr>
+            <p:nvPr/>
+          </p:nvPicPr>
+          <p:blipFill>
+            <a:blip r:embed="rId2">
+              <a:extLst>
+                <a:ext uri="{28A0092B-C50C-407E-A947-70E740481C1C}">
+                  <a14:useLocalDpi xmlns:a14="http://schemas.microsoft.com/office/drawing/2010/main" val="0"/>
+                </a:ext>
+              </a:extLst>
+            </a:blip>
+            <a:stretch>
+              <a:fillRect/>
+            </a:stretch>
+          </p:blipFill>
+          <p:spPr>
+            <a:xfrm>
+              <a:off x="948196" y="1907871"/>
+              <a:ext cx="3295650" cy="209550"/>
+            </a:xfrm>
+            <a:prstGeom prst="rect">
+              <a:avLst/>
+            </a:prstGeom>
+          </p:spPr>
+        </p:pic>
+        <p:sp>
+          <p:nvSpPr>
+            <p:cNvPr id="13" name="文本框 12"/>
+            <p:cNvSpPr txBox="1"/>
+            <p:nvPr/>
+          </p:nvSpPr>
+          <p:spPr>
+            <a:xfrm>
+              <a:off x="958503" y="1535558"/>
+              <a:ext cx="3643638" cy="369332"/>
+            </a:xfrm>
+            <a:prstGeom prst="rect">
+              <a:avLst/>
+            </a:prstGeom>
+            <a:noFill/>
+          </p:spPr>
+          <p:txBody>
+            <a:bodyPr wrap="square" rtlCol="0">
+              <a:spAutoFit/>
+            </a:bodyPr>
+            <a:lstStyle/>
+            <a:p>
+              <a:r>
+                <a:rPr lang="en-US" altLang="zh-CN" dirty="0" smtClean="0"/>
+                <a:t>2-1</a:t>
+              </a:r>
+              <a:r>
+                <a:rPr lang="zh-CN" altLang="en-US" dirty="0" smtClean="0"/>
+                <a:t>、模板</a:t>
+              </a:r>
+              <a:r>
+                <a:rPr lang="zh-CN" altLang="en-US" dirty="0"/>
+                <a:t>数据</a:t>
+              </a:r>
+              <a:r>
+                <a:rPr lang="zh-CN" altLang="en-US" dirty="0" smtClean="0"/>
+                <a:t>绑定</a:t>
+              </a:r>
+              <a:endParaRPr lang="zh-CN" altLang="en-US" dirty="0"/>
+            </a:p>
+          </p:txBody>
+        </p:sp>
+      </p:grpSp>
+      <p:grpSp>
+        <p:nvGrpSpPr>
+          <p:cNvPr id="19" name="组合 18"/>
+          <p:cNvGrpSpPr/>
+          <p:nvPr/>
+        </p:nvGrpSpPr>
+        <p:grpSpPr>
+          <a:xfrm>
+            <a:off x="1436710" y="3235160"/>
+            <a:ext cx="5457825" cy="938161"/>
+            <a:chOff x="958503" y="2420271"/>
+            <a:chExt cx="5457825" cy="938161"/>
+          </a:xfrm>
+        </p:grpSpPr>
+        <p:pic>
+          <p:nvPicPr>
+            <p:cNvPr id="9" name="图片 8"/>
+            <p:cNvPicPr>
+              <a:picLocks noChangeAspect="1"/>
+            </p:cNvPicPr>
+            <p:nvPr/>
+          </p:nvPicPr>
+          <p:blipFill>
+            <a:blip r:embed="rId3">
+              <a:extLst>
+                <a:ext uri="{28A0092B-C50C-407E-A947-70E740481C1C}">
+                  <a14:useLocalDpi xmlns:a14="http://schemas.microsoft.com/office/drawing/2010/main" val="0"/>
+                </a:ext>
+              </a:extLst>
+            </a:blip>
+            <a:stretch>
+              <a:fillRect/>
+            </a:stretch>
+          </p:blipFill>
+          <p:spPr>
+            <a:xfrm>
+              <a:off x="958503" y="2758357"/>
+              <a:ext cx="5457825" cy="600075"/>
+            </a:xfrm>
+            <a:prstGeom prst="rect">
+              <a:avLst/>
+            </a:prstGeom>
+          </p:spPr>
+        </p:pic>
+        <p:sp>
+          <p:nvSpPr>
+            <p:cNvPr id="14" name="文本框 13"/>
+            <p:cNvSpPr txBox="1"/>
+            <p:nvPr/>
+          </p:nvSpPr>
+          <p:spPr>
+            <a:xfrm>
+              <a:off x="958503" y="2420271"/>
+              <a:ext cx="2940681" cy="369332"/>
+            </a:xfrm>
+            <a:prstGeom prst="rect">
+              <a:avLst/>
+            </a:prstGeom>
+            <a:noFill/>
+          </p:spPr>
+          <p:txBody>
+            <a:bodyPr wrap="square" rtlCol="0">
+              <a:spAutoFit/>
+            </a:bodyPr>
+            <a:lstStyle/>
+            <a:p>
+              <a:r>
+                <a:rPr lang="en-US" altLang="zh-CN" dirty="0" smtClean="0"/>
+                <a:t>2-2</a:t>
+              </a:r>
+              <a:r>
+                <a:rPr lang="zh-CN" altLang="en-US" dirty="0" smtClean="0"/>
+                <a:t>、条件</a:t>
+              </a:r>
+              <a:r>
+                <a:rPr lang="zh-CN" altLang="en-US" dirty="0"/>
+                <a:t>渲染</a:t>
+              </a:r>
+              <a:endParaRPr lang="en-US" altLang="zh-CN" dirty="0"/>
+            </a:p>
+          </p:txBody>
+        </p:sp>
+      </p:grpSp>
+      <p:grpSp>
+        <p:nvGrpSpPr>
+          <p:cNvPr id="20" name="组合 19"/>
+          <p:cNvGrpSpPr/>
+          <p:nvPr/>
+        </p:nvGrpSpPr>
+        <p:grpSpPr>
+          <a:xfrm>
+            <a:off x="1436710" y="4369990"/>
+            <a:ext cx="5562600" cy="1011879"/>
+            <a:chOff x="958503" y="3468138"/>
+            <a:chExt cx="5562600" cy="1011879"/>
+          </a:xfrm>
+        </p:grpSpPr>
+        <p:pic>
+          <p:nvPicPr>
+            <p:cNvPr id="10" name="图片 9"/>
+            <p:cNvPicPr>
+              <a:picLocks noChangeAspect="1"/>
+            </p:cNvPicPr>
+            <p:nvPr/>
+          </p:nvPicPr>
+          <p:blipFill>
+            <a:blip r:embed="rId4">
+              <a:extLst>
+                <a:ext uri="{28A0092B-C50C-407E-A947-70E740481C1C}">
+                  <a14:useLocalDpi xmlns:a14="http://schemas.microsoft.com/office/drawing/2010/main" val="0"/>
+                </a:ext>
+              </a:extLst>
+            </a:blip>
+            <a:stretch>
+              <a:fillRect/>
+            </a:stretch>
+          </p:blipFill>
+          <p:spPr>
+            <a:xfrm>
+              <a:off x="958503" y="3841842"/>
+              <a:ext cx="5562600" cy="638175"/>
+            </a:xfrm>
+            <a:prstGeom prst="rect">
+              <a:avLst/>
+            </a:prstGeom>
+          </p:spPr>
+        </p:pic>
+        <p:sp>
+          <p:nvSpPr>
+            <p:cNvPr id="15" name="文本框 14"/>
+            <p:cNvSpPr txBox="1"/>
+            <p:nvPr/>
+          </p:nvSpPr>
+          <p:spPr>
+            <a:xfrm>
+              <a:off x="958503" y="3468138"/>
+              <a:ext cx="2571750" cy="369332"/>
+            </a:xfrm>
+            <a:prstGeom prst="rect">
+              <a:avLst/>
+            </a:prstGeom>
+            <a:noFill/>
+          </p:spPr>
+          <p:txBody>
+            <a:bodyPr wrap="square" rtlCol="0">
+              <a:spAutoFit/>
+            </a:bodyPr>
+            <a:lstStyle/>
+            <a:p>
+              <a:r>
+                <a:rPr lang="en-US" altLang="zh-CN" dirty="0" smtClean="0"/>
+                <a:t>2-3</a:t>
+              </a:r>
+              <a:r>
+                <a:rPr lang="zh-CN" altLang="en-US" dirty="0" smtClean="0"/>
+                <a:t>、列表</a:t>
+              </a:r>
+              <a:r>
+                <a:rPr lang="zh-CN" altLang="en-US" dirty="0"/>
+                <a:t>渲染</a:t>
+              </a:r>
+              <a:endParaRPr lang="en-US" altLang="zh-CN" dirty="0"/>
+            </a:p>
+          </p:txBody>
+        </p:sp>
+      </p:grpSp>
+      <p:grpSp>
+        <p:nvGrpSpPr>
+          <p:cNvPr id="21" name="组合 20"/>
+          <p:cNvGrpSpPr/>
+          <p:nvPr/>
+        </p:nvGrpSpPr>
+        <p:grpSpPr>
+          <a:xfrm>
+            <a:off x="1436710" y="5544033"/>
+            <a:ext cx="4972050" cy="574291"/>
+            <a:chOff x="948196" y="4637314"/>
+            <a:chExt cx="4972050" cy="574291"/>
+          </a:xfrm>
+        </p:grpSpPr>
+        <p:pic>
+          <p:nvPicPr>
+            <p:cNvPr id="11" name="图片 10"/>
+            <p:cNvPicPr>
+              <a:picLocks noChangeAspect="1"/>
+            </p:cNvPicPr>
+            <p:nvPr/>
+          </p:nvPicPr>
+          <p:blipFill>
+            <a:blip r:embed="rId5">
+              <a:extLst>
+                <a:ext uri="{28A0092B-C50C-407E-A947-70E740481C1C}">
+                  <a14:useLocalDpi xmlns:a14="http://schemas.microsoft.com/office/drawing/2010/main" val="0"/>
+                </a:ext>
+              </a:extLst>
+            </a:blip>
+            <a:stretch>
+              <a:fillRect/>
+            </a:stretch>
+          </p:blipFill>
+          <p:spPr>
+            <a:xfrm>
+              <a:off x="948196" y="5002055"/>
+              <a:ext cx="4972050" cy="209550"/>
+            </a:xfrm>
+            <a:prstGeom prst="rect">
+              <a:avLst/>
+            </a:prstGeom>
+          </p:spPr>
+        </p:pic>
+        <p:sp>
+          <p:nvSpPr>
+            <p:cNvPr id="16" name="文本框 15"/>
+            <p:cNvSpPr txBox="1"/>
+            <p:nvPr/>
+          </p:nvSpPr>
+          <p:spPr>
+            <a:xfrm>
+              <a:off x="958503" y="4637314"/>
+              <a:ext cx="2377539" cy="369332"/>
+            </a:xfrm>
+            <a:prstGeom prst="rect">
+              <a:avLst/>
+            </a:prstGeom>
+            <a:noFill/>
+          </p:spPr>
+          <p:txBody>
+            <a:bodyPr wrap="square" rtlCol="0">
+              <a:spAutoFit/>
+            </a:bodyPr>
+            <a:lstStyle/>
+            <a:p>
+              <a:r>
+                <a:rPr lang="en-US" altLang="zh-CN" dirty="0" smtClean="0"/>
+                <a:t>2-4</a:t>
+              </a:r>
+              <a:r>
+                <a:rPr lang="zh-CN" altLang="en-US" dirty="0" smtClean="0"/>
+                <a:t>、事件绑定</a:t>
+              </a:r>
+              <a:endParaRPr lang="en-US" altLang="zh-CN" dirty="0"/>
+            </a:p>
+          </p:txBody>
+        </p:sp>
+      </p:grpSp>
+      <p:sp>
+        <p:nvSpPr>
+          <p:cNvPr id="23" name="文本框 22"/>
+          <p:cNvSpPr txBox="1"/>
+          <p:nvPr/>
         </p:nvSpPr>
         <p:spPr>
           <a:xfrm>
-            <a:off x="1240666" y="605307"/>
-            <a:ext cx="9144000" cy="505496"/>
-          </a:xfrm>
-        </p:spPr>
-        <p:txBody>
-          <a:bodyPr/>
-          <a:lstStyle/>
-          <a:p>
-            <a:r>
-              <a:rPr lang="zh-CN" altLang="en-US" dirty="0"/>
-              <a:t>列表</a:t>
-            </a:r>
-            <a:r>
-              <a:rPr lang="zh-CN" altLang="en-US" dirty="0" smtClean="0"/>
-              <a:t>渲染</a:t>
-            </a:r>
-            <a:endParaRPr lang="zh-CN" altLang="en-US" dirty="0"/>
-          </a:p>
-        </p:txBody>
-      </p:sp>
-      <p:sp>
-        <p:nvSpPr>
-          <p:cNvPr id="4" name="文本框 3"/>
-          <p:cNvSpPr txBox="1"/>
-          <p:nvPr/>
-        </p:nvSpPr>
-        <p:spPr>
-          <a:xfrm>
-            <a:off x="1137635" y="1777285"/>
-            <a:ext cx="4026793" cy="1200329"/>
+            <a:off x="998300" y="1605635"/>
+            <a:ext cx="3849666" cy="369332"/>
           </a:xfrm>
           <a:prstGeom prst="rect">
             <a:avLst/>
@@ -3628,28 +3891,327 @@
           <a:lstStyle/>
           <a:p>
             <a:r>
-              <a:rPr lang="en-US" altLang="zh-CN" dirty="0" smtClean="0"/>
-              <a:t>jQuery</a:t>
+              <a:rPr lang="en-US" altLang="zh-CN" dirty="0"/>
+              <a:t>2</a:t>
             </a:r>
             <a:r>
               <a:rPr lang="zh-CN" altLang="en-US" dirty="0" smtClean="0"/>
-              <a:t>通过数据做遍历拼接模板字符串，然后将相关的模板转化成</a:t>
+              <a:t>、通过</a:t>
             </a:r>
             <a:r>
               <a:rPr lang="en-US" altLang="zh-CN" dirty="0" err="1" smtClean="0"/>
-              <a:t>dom</a:t>
+              <a:t>Vue</a:t>
             </a:r>
             <a:r>
               <a:rPr lang="zh-CN" altLang="en-US" dirty="0" smtClean="0"/>
-              <a:t>添加到</a:t>
-            </a:r>
-            <a:r>
-              <a:rPr lang="en-US" altLang="zh-CN" dirty="0" err="1" smtClean="0"/>
-              <a:t>dom</a:t>
-            </a:r>
+              <a:t>语法规则处理模板文件</a:t>
+            </a:r>
+            <a:endParaRPr lang="zh-CN" altLang="en-US" dirty="0"/>
+          </a:p>
+        </p:txBody>
+      </p:sp>
+    </p:spTree>
+    <p:extLst>
+      <p:ext uri="{BB962C8B-B14F-4D97-AF65-F5344CB8AC3E}">
+        <p14:creationId xmlns:p14="http://schemas.microsoft.com/office/powerpoint/2010/main" val="1198161008"/>
+      </p:ext>
+    </p:extLst>
+  </p:cSld>
+  <p:clrMapOvr>
+    <a:masterClrMapping/>
+  </p:clrMapOvr>
+  <p:timing>
+    <p:tnLst>
+      <p:par>
+        <p:cTn id="1" dur="indefinite" restart="never" nodeType="tmRoot"/>
+      </p:par>
+    </p:tnLst>
+  </p:timing>
+</p:sld>
+</file>
+
+<file path=ppt/slides/slide5.xml><?xml version="1.0" encoding="utf-8"?>
+<p:sld xmlns:a="http://schemas.openxmlformats.org/drawingml/2006/main" xmlns:r="http://schemas.openxmlformats.org/officeDocument/2006/relationships" xmlns:p="http://schemas.openxmlformats.org/presentationml/2006/main">
+  <p:cSld>
+    <p:spTree>
+      <p:nvGrpSpPr>
+        <p:cNvPr id="1" name=""/>
+        <p:cNvGrpSpPr/>
+        <p:nvPr/>
+      </p:nvGrpSpPr>
+      <p:grpSpPr>
+        <a:xfrm>
+          <a:off x="0" y="0"/>
+          <a:ext cx="0" cy="0"/>
+          <a:chOff x="0" y="0"/>
+          <a:chExt cx="0" cy="0"/>
+        </a:xfrm>
+      </p:grpSpPr>
+      <p:sp>
+        <p:nvSpPr>
+          <p:cNvPr id="2" name="标题 1"/>
+          <p:cNvSpPr>
+            <a:spLocks noGrp="1"/>
+          </p:cNvSpPr>
+          <p:nvPr>
+            <p:ph type="title"/>
+          </p:nvPr>
+        </p:nvSpPr>
+        <p:spPr/>
+        <p:txBody>
+          <a:bodyPr/>
+          <a:lstStyle/>
+          <a:p>
+            <a:r>
+              <a:rPr lang="zh-CN" altLang="en-US" dirty="0"/>
+              <a:t>语法规则</a:t>
+            </a:r>
+          </a:p>
+        </p:txBody>
+      </p:sp>
+      <p:grpSp>
+        <p:nvGrpSpPr>
+          <p:cNvPr id="23" name="组合 22"/>
+          <p:cNvGrpSpPr/>
+          <p:nvPr/>
+        </p:nvGrpSpPr>
+        <p:grpSpPr>
+          <a:xfrm>
+            <a:off x="1589760" y="1603006"/>
+            <a:ext cx="6229350" cy="635680"/>
+            <a:chOff x="918677" y="5336088"/>
+            <a:chExt cx="6229350" cy="635680"/>
+          </a:xfrm>
+        </p:grpSpPr>
+        <p:pic>
+          <p:nvPicPr>
+            <p:cNvPr id="24" name="图片 23"/>
+            <p:cNvPicPr>
+              <a:picLocks noChangeAspect="1"/>
+            </p:cNvPicPr>
+            <p:nvPr/>
+          </p:nvPicPr>
+          <p:blipFill>
+            <a:blip r:embed="rId2">
+              <a:extLst>
+                <a:ext uri="{28A0092B-C50C-407E-A947-70E740481C1C}">
+                  <a14:useLocalDpi xmlns:a14="http://schemas.microsoft.com/office/drawing/2010/main" val="0"/>
+                </a:ext>
+              </a:extLst>
+            </a:blip>
+            <a:stretch>
+              <a:fillRect/>
+            </a:stretch>
+          </p:blipFill>
+          <p:spPr>
+            <a:xfrm>
+              <a:off x="918677" y="5733643"/>
+              <a:ext cx="6229350" cy="238125"/>
+            </a:xfrm>
+            <a:prstGeom prst="rect">
+              <a:avLst/>
+            </a:prstGeom>
+          </p:spPr>
+        </p:pic>
+        <p:sp>
+          <p:nvSpPr>
+            <p:cNvPr id="25" name="文本框 24"/>
+            <p:cNvSpPr txBox="1"/>
+            <p:nvPr/>
+          </p:nvSpPr>
+          <p:spPr>
+            <a:xfrm>
+              <a:off x="958503" y="5336088"/>
+              <a:ext cx="1666186" cy="369332"/>
+            </a:xfrm>
+            <a:prstGeom prst="rect">
+              <a:avLst/>
+            </a:prstGeom>
+            <a:noFill/>
+          </p:spPr>
+          <p:txBody>
+            <a:bodyPr wrap="square" rtlCol="0">
+              <a:spAutoFit/>
+            </a:bodyPr>
+            <a:lstStyle/>
+            <a:p>
+              <a:r>
+                <a:rPr lang="en-US" altLang="zh-CN" dirty="0" smtClean="0"/>
+                <a:t>2-5</a:t>
+              </a:r>
+              <a:r>
+                <a:rPr lang="zh-CN" altLang="en-US" dirty="0" smtClean="0"/>
+                <a:t>、样式绑定</a:t>
+              </a:r>
+              <a:endParaRPr lang="en-US" altLang="zh-CN" dirty="0"/>
+            </a:p>
+          </p:txBody>
+        </p:sp>
+      </p:grpSp>
+      <p:grpSp>
+        <p:nvGrpSpPr>
+          <p:cNvPr id="5" name="组合 4"/>
+          <p:cNvGrpSpPr/>
+          <p:nvPr/>
+        </p:nvGrpSpPr>
+        <p:grpSpPr>
+          <a:xfrm>
+            <a:off x="1589760" y="2465107"/>
+            <a:ext cx="4543425" cy="880267"/>
+            <a:chOff x="838200" y="3016251"/>
+            <a:chExt cx="4543425" cy="880267"/>
+          </a:xfrm>
+        </p:grpSpPr>
+        <p:sp>
+          <p:nvSpPr>
+            <p:cNvPr id="13" name="文本框 12"/>
+            <p:cNvSpPr txBox="1"/>
+            <p:nvPr/>
+          </p:nvSpPr>
+          <p:spPr>
+            <a:xfrm>
+              <a:off x="878026" y="3016251"/>
+              <a:ext cx="3643638" cy="369332"/>
+            </a:xfrm>
+            <a:prstGeom prst="rect">
+              <a:avLst/>
+            </a:prstGeom>
+            <a:noFill/>
+          </p:spPr>
+          <p:txBody>
+            <a:bodyPr wrap="square" rtlCol="0">
+              <a:spAutoFit/>
+            </a:bodyPr>
+            <a:lstStyle/>
+            <a:p>
+              <a:r>
+                <a:rPr lang="en-US" altLang="zh-CN" dirty="0" smtClean="0"/>
+                <a:t>2-6</a:t>
+              </a:r>
+              <a:r>
+                <a:rPr lang="zh-CN" altLang="en-US" dirty="0" smtClean="0"/>
+                <a:t>、表单控件绑定</a:t>
+              </a:r>
+              <a:endParaRPr lang="zh-CN" altLang="en-US" dirty="0"/>
+            </a:p>
+          </p:txBody>
+        </p:sp>
+        <p:pic>
+          <p:nvPicPr>
+            <p:cNvPr id="4" name="图片 3"/>
+            <p:cNvPicPr>
+              <a:picLocks noChangeAspect="1"/>
+            </p:cNvPicPr>
+            <p:nvPr/>
+          </p:nvPicPr>
+          <p:blipFill>
+            <a:blip r:embed="rId3">
+              <a:extLst>
+                <a:ext uri="{28A0092B-C50C-407E-A947-70E740481C1C}">
+                  <a14:useLocalDpi xmlns:a14="http://schemas.microsoft.com/office/drawing/2010/main" val="0"/>
+                </a:ext>
+              </a:extLst>
+            </a:blip>
+            <a:stretch>
+              <a:fillRect/>
+            </a:stretch>
+          </p:blipFill>
+          <p:spPr>
+            <a:xfrm>
+              <a:off x="838200" y="3420268"/>
+              <a:ext cx="4543425" cy="476250"/>
+            </a:xfrm>
+            <a:prstGeom prst="rect">
+              <a:avLst/>
+            </a:prstGeom>
+          </p:spPr>
+        </p:pic>
+      </p:grpSp>
+      <p:pic>
+        <p:nvPicPr>
+          <p:cNvPr id="7" name="图片 6"/>
+          <p:cNvPicPr>
+            <a:picLocks noChangeAspect="1"/>
+          </p:cNvPicPr>
+          <p:nvPr/>
+        </p:nvPicPr>
+        <p:blipFill>
+          <a:blip r:embed="rId4">
+            <a:extLst>
+              <a:ext uri="{28A0092B-C50C-407E-A947-70E740481C1C}">
+                <a14:useLocalDpi xmlns:a14="http://schemas.microsoft.com/office/drawing/2010/main" val="0"/>
+              </a:ext>
+            </a:extLst>
+          </a:blip>
+          <a:stretch>
+            <a:fillRect/>
+          </a:stretch>
+        </p:blipFill>
+        <p:spPr>
+          <a:xfrm>
+            <a:off x="1084934" y="4173972"/>
+            <a:ext cx="5553075" cy="1190625"/>
+          </a:xfrm>
+          <a:prstGeom prst="rect">
+            <a:avLst/>
+          </a:prstGeom>
+        </p:spPr>
+      </p:pic>
+    </p:spTree>
+    <p:extLst>
+      <p:ext uri="{BB962C8B-B14F-4D97-AF65-F5344CB8AC3E}">
+        <p14:creationId xmlns:p14="http://schemas.microsoft.com/office/powerpoint/2010/main" val="1717011471"/>
+      </p:ext>
+    </p:extLst>
+  </p:cSld>
+  <p:clrMapOvr>
+    <a:masterClrMapping/>
+  </p:clrMapOvr>
+  <p:timing>
+    <p:tnLst>
+      <p:par>
+        <p:cTn id="1" dur="indefinite" restart="never" nodeType="tmRoot"/>
+      </p:par>
+    </p:tnLst>
+  </p:timing>
+</p:sld>
+</file>
+
+<file path=ppt/slides/slide6.xml><?xml version="1.0" encoding="utf-8"?>
+<p:sld xmlns:a="http://schemas.openxmlformats.org/drawingml/2006/main" xmlns:r="http://schemas.openxmlformats.org/officeDocument/2006/relationships" xmlns:p="http://schemas.openxmlformats.org/presentationml/2006/main">
+  <p:cSld>
+    <p:spTree>
+      <p:nvGrpSpPr>
+        <p:cNvPr id="1" name=""/>
+        <p:cNvGrpSpPr/>
+        <p:nvPr/>
+      </p:nvGrpSpPr>
+      <p:grpSpPr>
+        <a:xfrm>
+          <a:off x="0" y="0"/>
+          <a:ext cx="0" cy="0"/>
+          <a:chOff x="0" y="0"/>
+          <a:chExt cx="0" cy="0"/>
+        </a:xfrm>
+      </p:grpSpPr>
+      <p:sp>
+        <p:nvSpPr>
+          <p:cNvPr id="2" name="标题 1"/>
+          <p:cNvSpPr>
+            <a:spLocks noGrp="1"/>
+          </p:cNvSpPr>
+          <p:nvPr>
+            <p:ph type="title"/>
+          </p:nvPr>
+        </p:nvSpPr>
+        <p:spPr/>
+        <p:txBody>
+          <a:bodyPr/>
+          <a:lstStyle/>
+          <a:p>
             <a:r>
               <a:rPr lang="zh-CN" altLang="en-US" dirty="0" smtClean="0"/>
-              <a:t>树的相应位置。一堆字符串看起来费劲儿，不好维护修改。</a:t>
+              <a:t>进阶</a:t>
             </a:r>
             <a:endParaRPr lang="zh-CN" altLang="en-US" dirty="0"/>
           </a:p>
@@ -3657,14 +4219,14 @@
       </p:sp>
       <p:sp>
         <p:nvSpPr>
-          <p:cNvPr id="5" name="文本框 4"/>
+          <p:cNvPr id="10" name="文本框 9"/>
           <p:cNvSpPr txBox="1"/>
           <p:nvPr/>
         </p:nvSpPr>
         <p:spPr>
           <a:xfrm>
-            <a:off x="6108880" y="1777285"/>
-            <a:ext cx="4026793" cy="1200329"/>
+            <a:off x="989556" y="1605635"/>
+            <a:ext cx="6930675" cy="369332"/>
           </a:xfrm>
           <a:prstGeom prst="rect">
             <a:avLst/>
@@ -3678,8 +4240,50 @@
           <a:lstStyle/>
           <a:p>
             <a:r>
+              <a:rPr lang="en-US" altLang="zh-CN" dirty="0" smtClean="0"/>
+              <a:t>1</a:t>
+            </a:r>
+            <a:r>
               <a:rPr lang="zh-CN" altLang="en-US" dirty="0" smtClean="0"/>
-              <a:t>通过</a:t>
+              <a:t>、安装</a:t>
+            </a:r>
+            <a:r>
+              <a:rPr lang="en-US" altLang="zh-CN" dirty="0" smtClean="0"/>
+              <a:t>fis3</a:t>
+            </a:r>
+            <a:endParaRPr lang="zh-CN" altLang="en-US" dirty="0"/>
+          </a:p>
+        </p:txBody>
+      </p:sp>
+      <p:sp>
+        <p:nvSpPr>
+          <p:cNvPr id="14" name="文本框 13"/>
+          <p:cNvSpPr txBox="1"/>
+          <p:nvPr/>
+        </p:nvSpPr>
+        <p:spPr>
+          <a:xfrm>
+            <a:off x="989556" y="2327584"/>
+            <a:ext cx="6930675" cy="369332"/>
+          </a:xfrm>
+          <a:prstGeom prst="rect">
+            <a:avLst/>
+          </a:prstGeom>
+          <a:noFill/>
+        </p:spPr>
+        <p:txBody>
+          <a:bodyPr wrap="square" rtlCol="0">
+            <a:spAutoFit/>
+          </a:bodyPr>
+          <a:lstStyle/>
+          <a:p>
+            <a:r>
+              <a:rPr lang="en-US" altLang="zh-CN" dirty="0" smtClean="0"/>
+              <a:t>2</a:t>
+            </a:r>
+            <a:r>
+              <a:rPr lang="zh-CN" altLang="en-US" dirty="0" smtClean="0"/>
+              <a:t>、新建</a:t>
             </a:r>
             <a:r>
               <a:rPr lang="en-US" altLang="zh-CN" dirty="0" err="1" smtClean="0"/>
@@ -3687,31 +4291,121 @@
             </a:r>
             <a:r>
               <a:rPr lang="zh-CN" altLang="en-US" dirty="0" smtClean="0"/>
-              <a:t>内置指令</a:t>
+              <a:t>文件</a:t>
+            </a:r>
+            <a:endParaRPr lang="zh-CN" altLang="en-US" dirty="0"/>
+          </a:p>
+        </p:txBody>
+      </p:sp>
+      <p:sp>
+        <p:nvSpPr>
+          <p:cNvPr id="15" name="文本框 14"/>
+          <p:cNvSpPr txBox="1"/>
+          <p:nvPr/>
+        </p:nvSpPr>
+        <p:spPr>
+          <a:xfrm>
+            <a:off x="989556" y="3030811"/>
+            <a:ext cx="6930675" cy="369332"/>
+          </a:xfrm>
+          <a:prstGeom prst="rect">
+            <a:avLst/>
+          </a:prstGeom>
+          <a:noFill/>
+        </p:spPr>
+        <p:txBody>
+          <a:bodyPr wrap="square" rtlCol="0">
+            <a:spAutoFit/>
+          </a:bodyPr>
+          <a:lstStyle/>
+          <a:p>
+            <a:r>
+              <a:rPr lang="en-US" altLang="zh-CN" dirty="0"/>
+              <a:t>3</a:t>
+            </a:r>
+            <a:r>
+              <a:rPr lang="zh-CN" altLang="en-US" dirty="0" smtClean="0"/>
+              <a:t>、配置</a:t>
             </a:r>
             <a:r>
               <a:rPr lang="en-US" altLang="zh-CN" dirty="0" smtClean="0"/>
-              <a:t>(v-for)</a:t>
+              <a:t>fis3</a:t>
+            </a:r>
+            <a:endParaRPr lang="zh-CN" altLang="en-US" dirty="0"/>
+          </a:p>
+        </p:txBody>
+      </p:sp>
+      <p:sp>
+        <p:nvSpPr>
+          <p:cNvPr id="16" name="文本框 15"/>
+          <p:cNvSpPr txBox="1"/>
+          <p:nvPr/>
+        </p:nvSpPr>
+        <p:spPr>
+          <a:xfrm>
+            <a:off x="989556" y="3758468"/>
+            <a:ext cx="6930675" cy="369332"/>
+          </a:xfrm>
+          <a:prstGeom prst="rect">
+            <a:avLst/>
+          </a:prstGeom>
+          <a:noFill/>
+        </p:spPr>
+        <p:txBody>
+          <a:bodyPr wrap="square" rtlCol="0">
+            <a:spAutoFit/>
+          </a:bodyPr>
+          <a:lstStyle/>
+          <a:p>
+            <a:r>
+              <a:rPr lang="en-US" altLang="zh-CN" dirty="0" smtClean="0"/>
+              <a:t>4</a:t>
             </a:r>
             <a:r>
               <a:rPr lang="zh-CN" altLang="en-US" dirty="0" smtClean="0"/>
-              <a:t>直接在模板文件中用标准的</a:t>
-            </a:r>
-            <a:r>
-              <a:rPr lang="en-US" altLang="zh-CN" dirty="0" smtClean="0"/>
-              <a:t>html</a:t>
+              <a:t>、编译</a:t>
+            </a:r>
+            <a:r>
+              <a:rPr lang="en-US" altLang="zh-CN" dirty="0" err="1" smtClean="0"/>
+              <a:t>Vue</a:t>
             </a:r>
             <a:r>
               <a:rPr lang="zh-CN" altLang="en-US" dirty="0" smtClean="0"/>
-              <a:t>语法绑定相关数据，</a:t>
-            </a:r>
-            <a:r>
-              <a:rPr lang="en-US" altLang="zh-CN" dirty="0" err="1" smtClean="0"/>
-              <a:t>vue</a:t>
+              <a:t>文件</a:t>
+            </a:r>
+            <a:endParaRPr lang="zh-CN" altLang="en-US" dirty="0"/>
+          </a:p>
+        </p:txBody>
+      </p:sp>
+      <p:sp>
+        <p:nvSpPr>
+          <p:cNvPr id="17" name="文本框 16"/>
+          <p:cNvSpPr txBox="1"/>
+          <p:nvPr/>
+        </p:nvSpPr>
+        <p:spPr>
+          <a:xfrm>
+            <a:off x="989556" y="4512459"/>
+            <a:ext cx="6930675" cy="369332"/>
+          </a:xfrm>
+          <a:prstGeom prst="rect">
+            <a:avLst/>
+          </a:prstGeom>
+          <a:noFill/>
+        </p:spPr>
+        <p:txBody>
+          <a:bodyPr wrap="square" rtlCol="0">
+            <a:spAutoFit/>
+          </a:bodyPr>
+          <a:lstStyle/>
+          <a:p>
+            <a:r>
+              <a:rPr lang="en-US" altLang="zh-CN" dirty="0"/>
+              <a:t>5</a:t>
             </a:r>
             <a:r>
               <a:rPr lang="zh-CN" altLang="en-US" dirty="0" smtClean="0"/>
-              <a:t>会自动按照指定的规则去遍历数据做展示。</a:t>
+              <a:t>、产出效果</a:t>
             </a:r>
             <a:endParaRPr lang="zh-CN" altLang="en-US" dirty="0"/>
           </a:p>
@@ -3720,13 +4414,20 @@
     </p:spTree>
     <p:extLst>
       <p:ext uri="{BB962C8B-B14F-4D97-AF65-F5344CB8AC3E}">
-        <p14:creationId xmlns:p14="http://schemas.microsoft.com/office/powerpoint/2010/main" val="376948542"/>
+        <p14:creationId xmlns:p14="http://schemas.microsoft.com/office/powerpoint/2010/main" val="1277599003"/>
       </p:ext>
     </p:extLst>
   </p:cSld>
   <p:clrMapOvr>
     <a:masterClrMapping/>
   </p:clrMapOvr>
+  <p:timing>
+    <p:tnLst>
+      <p:par>
+        <p:cTn id="1" dur="indefinite" restart="never" nodeType="tmRoot"/>
+      </p:par>
+    </p:tnLst>
+  </p:timing>
 </p:sld>
 </file>
 
